--- a/lci_laparoscopy.pptx
+++ b/lci_laparoscopy.pptx
@@ -3723,14 +3723,14 @@
             <a:pPr lvl="0"/>
             <a:r>
               <a:rPr/>
-              <a:t>Several incisions 1/4” long</a:t>
+              <a:t>Several 1/4” incisions 1/4”</a:t>
             </a:r>
           </a:p>
           <a:p>
             <a:pPr lvl="0"/>
             <a:r>
               <a:rPr/>
-              <a:t>A telescope is used to examine the abdomen</a:t>
+              <a:t>Telescope examines the abdomen</a:t>
             </a:r>
           </a:p>
           <a:p>

--- a/lci_laparoscopy.pptx
+++ b/lci_laparoscopy.pptx
@@ -318,7 +318,7 @@
           <a:p>
             <a:fld id="{241EB5C9-1307-BA42-ABA2-0BC069CD8E7F}" type="datetimeFigureOut">
               <a:rPr lang="en-US" smtClean="0"/>
-              <a:t>1/11/25</a:t>
+              <a:t>2/24/25</a:t>
             </a:fld>
             <a:endParaRPr lang="en-US"/>
           </a:p>
@@ -510,7 +510,7 @@
           <a:p>
             <a:fld id="{241EB5C9-1307-BA42-ABA2-0BC069CD8E7F}" type="datetimeFigureOut">
               <a:rPr lang="en-US" smtClean="0"/>
-              <a:t>1/11/25</a:t>
+              <a:t>2/24/25</a:t>
             </a:fld>
             <a:endParaRPr lang="en-US"/>
           </a:p>
@@ -712,7 +712,7 @@
           <a:p>
             <a:fld id="{241EB5C9-1307-BA42-ABA2-0BC069CD8E7F}" type="datetimeFigureOut">
               <a:rPr lang="en-US" smtClean="0"/>
-              <a:t>1/11/25</a:t>
+              <a:t>2/24/25</a:t>
             </a:fld>
             <a:endParaRPr lang="en-US"/>
           </a:p>
@@ -914,7 +914,7 @@
           <a:p>
             <a:fld id="{241EB5C9-1307-BA42-ABA2-0BC069CD8E7F}" type="datetimeFigureOut">
               <a:rPr lang="en-US" smtClean="0"/>
-              <a:t>1/11/25</a:t>
+              <a:t>2/24/25</a:t>
             </a:fld>
             <a:endParaRPr lang="en-US"/>
           </a:p>
@@ -1454,7 +1454,7 @@
           <a:p>
             <a:fld id="{241EB5C9-1307-BA42-ABA2-0BC069CD8E7F}" type="datetimeFigureOut">
               <a:rPr lang="en-US" smtClean="0"/>
-              <a:t>1/11/25</a:t>
+              <a:t>2/24/25</a:t>
             </a:fld>
             <a:endParaRPr lang="en-US"/>
           </a:p>
@@ -2128,7 +2128,7 @@
           <a:p>
             <a:fld id="{241EB5C9-1307-BA42-ABA2-0BC069CD8E7F}" type="datetimeFigureOut">
               <a:rPr lang="en-US" smtClean="0"/>
-              <a:t>1/11/25</a:t>
+              <a:t>2/24/25</a:t>
             </a:fld>
             <a:endParaRPr lang="en-US"/>
           </a:p>
@@ -2275,7 +2275,7 @@
           <a:p>
             <a:fld id="{241EB5C9-1307-BA42-ABA2-0BC069CD8E7F}" type="datetimeFigureOut">
               <a:rPr lang="en-US" smtClean="0"/>
-              <a:t>1/11/25</a:t>
+              <a:t>2/24/25</a:t>
             </a:fld>
             <a:endParaRPr lang="en-US"/>
           </a:p>
@@ -2394,7 +2394,7 @@
           <a:p>
             <a:fld id="{241EB5C9-1307-BA42-ABA2-0BC069CD8E7F}" type="datetimeFigureOut">
               <a:rPr lang="en-US" smtClean="0"/>
-              <a:t>1/11/25</a:t>
+              <a:t>2/24/25</a:t>
             </a:fld>
             <a:endParaRPr lang="en-US"/>
           </a:p>
@@ -2693,7 +2693,7 @@
           <a:p>
             <a:fld id="{241EB5C9-1307-BA42-ABA2-0BC069CD8E7F}" type="datetimeFigureOut">
               <a:rPr lang="en-US" smtClean="0"/>
-              <a:t>1/11/25</a:t>
+              <a:t>2/24/25</a:t>
             </a:fld>
             <a:endParaRPr lang="en-US"/>
           </a:p>
@@ -2969,7 +2969,7 @@
           <a:p>
             <a:fld id="{241EB5C9-1307-BA42-ABA2-0BC069CD8E7F}" type="datetimeFigureOut">
               <a:rPr lang="en-US" smtClean="0"/>
-              <a:t>1/11/25</a:t>
+              <a:t>2/24/25</a:t>
             </a:fld>
             <a:endParaRPr lang="en-US"/>
           </a:p>
@@ -3222,7 +3222,7 @@
         </a:spcBef>
         <a:buFont typeface="Arial"/>
         <a:buChar char="–"/>
-        <a:defRPr baseline="0" kern="1200" sz="2100">
+        <a:defRPr baseline="0" kern="1200" sz="2400">
           <a:solidFill>
             <a:schemeClr val="tx1"/>
           </a:solidFill>
@@ -3237,7 +3237,7 @@
         </a:spcBef>
         <a:buFont typeface="Arial"/>
         <a:buChar char="•"/>
-        <a:defRPr kern="1200" sz="1800">
+        <a:defRPr kern="1200" sz="2400">
           <a:solidFill>
             <a:schemeClr val="tx1"/>
           </a:solidFill>
@@ -3252,7 +3252,7 @@
         </a:spcBef>
         <a:buFont typeface="Arial"/>
         <a:buChar char="–"/>
-        <a:defRPr kern="1200" sz="1500">
+        <a:defRPr kern="1200" sz="2400">
           <a:solidFill>
             <a:schemeClr val="tx1"/>
           </a:solidFill>
@@ -3723,7 +3723,7 @@
             <a:pPr lvl="0"/>
             <a:r>
               <a:rPr/>
-              <a:t>Several 1/4” incisions 1/4”</a:t>
+              <a:t>Several 1/4” incisions</a:t>
             </a:r>
           </a:p>
           <a:p>

--- a/lci_laparoscopy.pptx
+++ b/lci_laparoscopy.pptx
@@ -3220,8 +3220,8 @@
         <a:spcBef>
           <a:spcPct val="20000"/>
         </a:spcBef>
-        <a:buFont typeface="Arial"/>
-        <a:buChar char="–"/>
+        <a:buFont charset="0" panose="020B0604020202020204" pitchFamily="34" typeface="Arial"/>
+        <a:buChar char="•"/>
         <a:defRPr baseline="0" kern="1200" sz="2400">
           <a:solidFill>
             <a:schemeClr val="tx1"/>

--- a/lci_laparoscopy.pptx
+++ b/lci_laparoscopy.pptx
@@ -3618,7 +3618,7 @@
       </p:sp>
       <p:pic>
         <p:nvPicPr>
-          <p:cNvPr descr="https://deidt7p41jzcy.cloudfront.net/Eso_Laparoscopy.png" id="0" name="Picture 1"/>
+          <p:cNvPr descr="images/Eso_Laparoscopy.png" id="0" name="Picture 1"/>
           <p:cNvPicPr>
             <a:picLocks noGrp="1" noChangeAspect="1"/>
           </p:cNvPicPr>
@@ -3744,7 +3744,7 @@
       </p:sp>
       <p:pic>
         <p:nvPicPr>
-          <p:cNvPr descr="https://deidt7p41jzcy.cloudfront.net/Eso_Laparoscopy.png" id="0" name="Picture 1"/>
+          <p:cNvPr descr="images/Eso_Laparoscopy.png" id="0" name="Picture 1"/>
           <p:cNvPicPr>
             <a:picLocks noGrp="1" noChangeAspect="1"/>
           </p:cNvPicPr>
